--- a/files/monthly-calls/uswds-monthly-call-august-2021-distro.pptx
+++ b/files/monthly-calls/uswds-monthly-call-august-2021-distro.pptx
@@ -300,7 +300,7 @@
       <p15:notesGuideLst xmlns:p15="http://schemas.microsoft.com/office/powerpoint/2012/main"/>
     </p:ext>
     <p:ext uri="http://customooxmlschemas.google.com/">
-      <go:slidesCustomData xmlns:go="http://customooxmlschemas.google.com/" xmlns:ahyp="http://schemas.microsoft.com/office/drawing/2018/hyperlinkcolor" xmlns:p15="http://schemas.microsoft.com/office/powerpoint/2012/main" xmlns:p14="http://schemas.microsoft.com/office/powerpoint/2010/main" xmlns:com="http://schemas.openxmlformats.org/drawingml/2006/compatibility" xmlns:pvml="urn:schemas-microsoft-com:office:powerpoint" xmlns:v="urn:schemas-microsoft-com:vml" xmlns:o="urn:schemas-microsoft-com:office:office" xmlns:dgm="http://schemas.openxmlformats.org/drawingml/2006/diagram" xmlns:c="http://schemas.openxmlformats.org/drawingml/2006/chart" xmlns:mv="urn:schemas-microsoft-com:mac:vml" xmlns:mc="http://schemas.openxmlformats.org/markup-compatibility/2006" xmlns="" r:id="rId97" roundtripDataSignature="AMtx7mhyBx7hKT3jCTSxbEAYregr5Isgag=="/>
+      <go:slidesCustomData xmlns="" xmlns:mc="http://schemas.openxmlformats.org/markup-compatibility/2006" xmlns:mv="urn:schemas-microsoft-com:mac:vml" xmlns:c="http://schemas.openxmlformats.org/drawingml/2006/chart" xmlns:dgm="http://schemas.openxmlformats.org/drawingml/2006/diagram" xmlns:o="urn:schemas-microsoft-com:office:office" xmlns:v="urn:schemas-microsoft-com:vml" xmlns:pvml="urn:schemas-microsoft-com:office:powerpoint" xmlns:com="http://schemas.openxmlformats.org/drawingml/2006/compatibility" xmlns:p14="http://schemas.microsoft.com/office/powerpoint/2010/main" xmlns:p15="http://schemas.microsoft.com/office/powerpoint/2012/main" xmlns:ahyp="http://schemas.microsoft.com/office/drawing/2018/hyperlinkcolor" xmlns:go="http://customooxmlschemas.google.com/" r:id="rId97" roundtripDataSignature="AMtx7mhyBx7hKT3jCTSxbEAYregr5Isgag=="/>
     </p:ext>
   </p:extLst>
 </p:presentation>
@@ -3119,33 +3119,7 @@
                 <a:cs typeface="Arial"/>
                 <a:sym typeface="Arial"/>
               </a:rPr>
-              <a:t> but with Storybook. After spending many months wrestling with libraries, we’ve decided that Storybook is a better long-term solution for us. It allows us the freedom to organize and grow in ways that make sense for the design system, not just the ways that make sense for library developers. Storybook has proven to be the more flexible, modular solution. And while we’ll keep going with our migration from handlebars templates to Twig templates, using </a:t>
-            </a:r>
-            <a:r>
-              <a:rPr lang="en-US" sz="1100" b="0" i="0" u="none" strike="noStrike" cap="none" dirty="0" err="1">
-                <a:solidFill>
-                  <a:srgbClr val="000000"/>
-                </a:solidFill>
-                <a:effectLst/>
-                <a:latin typeface="Arial"/>
-                <a:ea typeface="Arial"/>
-                <a:cs typeface="Arial"/>
-                <a:sym typeface="Arial"/>
-              </a:rPr>
-              <a:t>Storytbook</a:t>
-            </a:r>
-            <a:r>
-              <a:rPr lang="en-US" sz="1100" b="0" i="0" u="none" strike="noStrike" cap="none" dirty="0">
-                <a:solidFill>
-                  <a:srgbClr val="000000"/>
-                </a:solidFill>
-                <a:effectLst/>
-                <a:latin typeface="Arial"/>
-                <a:ea typeface="Arial"/>
-                <a:cs typeface="Arial"/>
-                <a:sym typeface="Arial"/>
-              </a:rPr>
-              <a:t> means that Twig doesn’t have to be the end of the road for us.</a:t>
+              <a:t> but with Storybook. After spending many months wrestling with libraries, we’ve decided that Storybook is a better long-term solution for us. It allows us the freedom to organize and grow in ways that make sense for the design system, not just the ways that make sense for library developers. Storybook has proven to be the more flexible, modular solution. And while we’ll keep going with our migration from handlebars templates to Twig templates, using Storybook means that Twig doesn’t have to be the end of the road for us.</a:t>
             </a:r>
           </a:p>
           <a:p>

--- a/files/monthly-calls/uswds-monthly-call-august-2021-distro.pptx
+++ b/files/monthly-calls/uswds-monthly-call-august-2021-distro.pptx
@@ -300,7 +300,7 @@
       <p15:notesGuideLst xmlns:p15="http://schemas.microsoft.com/office/powerpoint/2012/main"/>
     </p:ext>
     <p:ext uri="http://customooxmlschemas.google.com/">
-      <go:slidesCustomData xmlns="" xmlns:mc="http://schemas.openxmlformats.org/markup-compatibility/2006" xmlns:mv="urn:schemas-microsoft-com:mac:vml" xmlns:c="http://schemas.openxmlformats.org/drawingml/2006/chart" xmlns:dgm="http://schemas.openxmlformats.org/drawingml/2006/diagram" xmlns:o="urn:schemas-microsoft-com:office:office" xmlns:v="urn:schemas-microsoft-com:vml" xmlns:pvml="urn:schemas-microsoft-com:office:powerpoint" xmlns:com="http://schemas.openxmlformats.org/drawingml/2006/compatibility" xmlns:p14="http://schemas.microsoft.com/office/powerpoint/2010/main" xmlns:p15="http://schemas.microsoft.com/office/powerpoint/2012/main" xmlns:ahyp="http://schemas.microsoft.com/office/drawing/2018/hyperlinkcolor" xmlns:go="http://customooxmlschemas.google.com/" r:id="rId97" roundtripDataSignature="AMtx7mhyBx7hKT3jCTSxbEAYregr5Isgag=="/>
+      <go:slidesCustomData xmlns:go="http://customooxmlschemas.google.com/" xmlns:ahyp="http://schemas.microsoft.com/office/drawing/2018/hyperlinkcolor" xmlns:p15="http://schemas.microsoft.com/office/powerpoint/2012/main" xmlns:p14="http://schemas.microsoft.com/office/powerpoint/2010/main" xmlns:com="http://schemas.openxmlformats.org/drawingml/2006/compatibility" xmlns:pvml="urn:schemas-microsoft-com:office:powerpoint" xmlns:v="urn:schemas-microsoft-com:vml" xmlns:o="urn:schemas-microsoft-com:office:office" xmlns:dgm="http://schemas.openxmlformats.org/drawingml/2006/diagram" xmlns:c="http://schemas.openxmlformats.org/drawingml/2006/chart" xmlns:mv="urn:schemas-microsoft-com:mac:vml" xmlns:mc="http://schemas.openxmlformats.org/markup-compatibility/2006" xmlns="" r:id="rId97" roundtripDataSignature="AMtx7mhyBx7hKT3jCTSxbEAYregr5Isgag=="/>
     </p:ext>
   </p:extLst>
 </p:presentation>
@@ -1377,7 +1377,20 @@
                 <a:cs typeface="Arial"/>
                 <a:sym typeface="Arial"/>
               </a:rPr>
-              <a:t>Thank you, and see you in August!</a:t>
+              <a:t>Thank you, and see you </a:t>
+            </a:r>
+            <a:r>
+              <a:rPr lang="en-US" sz="1100" b="0" i="0" u="none" strike="noStrike" cap="none">
+                <a:solidFill>
+                  <a:srgbClr val="000000"/>
+                </a:solidFill>
+                <a:effectLst/>
+                <a:latin typeface="Arial"/>
+                <a:ea typeface="Arial"/>
+                <a:cs typeface="Arial"/>
+                <a:sym typeface="Arial"/>
+              </a:rPr>
+              <a:t>in September!</a:t>
             </a:r>
             <a:endParaRPr sz="1400" dirty="0">
               <a:latin typeface="Public Sans"/>
